--- a/doc/Brunner 사용자매뉴얼.pptx
+++ b/doc/Brunner 사용자매뉴얼.pptx
@@ -5,21 +5,22 @@
     <p:sldMasterId id="2147483648" r:id="rId1"/>
   </p:sldMasterIdLst>
   <p:notesMasterIdLst>
-    <p:notesMasterId r:id="rId14"/>
+    <p:notesMasterId r:id="rId15"/>
   </p:notesMasterIdLst>
   <p:sldIdLst>
-    <p:sldId id="256" r:id="rId2"/>
-    <p:sldId id="257" r:id="rId3"/>
-    <p:sldId id="258" r:id="rId4"/>
-    <p:sldId id="260" r:id="rId5"/>
-    <p:sldId id="261" r:id="rId6"/>
-    <p:sldId id="262" r:id="rId7"/>
-    <p:sldId id="263" r:id="rId8"/>
-    <p:sldId id="264" r:id="rId9"/>
-    <p:sldId id="265" r:id="rId10"/>
-    <p:sldId id="266" r:id="rId11"/>
-    <p:sldId id="267" r:id="rId12"/>
-    <p:sldId id="268" r:id="rId13"/>
+    <p:sldId id="269" r:id="rId2"/>
+    <p:sldId id="256" r:id="rId3"/>
+    <p:sldId id="257" r:id="rId4"/>
+    <p:sldId id="258" r:id="rId5"/>
+    <p:sldId id="260" r:id="rId6"/>
+    <p:sldId id="261" r:id="rId7"/>
+    <p:sldId id="262" r:id="rId8"/>
+    <p:sldId id="263" r:id="rId9"/>
+    <p:sldId id="264" r:id="rId10"/>
+    <p:sldId id="265" r:id="rId11"/>
+    <p:sldId id="266" r:id="rId12"/>
+    <p:sldId id="267" r:id="rId13"/>
+    <p:sldId id="268" r:id="rId14"/>
   </p:sldIdLst>
   <p:sldSz cx="12192000" cy="6858000"/>
   <p:notesSz cx="6858000" cy="9144000"/>
@@ -118,6 +119,14 @@
       </a:defRPr>
     </a:lvl9pPr>
   </p:defaultTextStyle>
+  <p:extLst>
+    <p:ext uri="{EFAFB233-063F-42B5-8137-9DF3F51BA10A}">
+      <p15:sldGuideLst xmlns:p15="http://schemas.microsoft.com/office/powerpoint/2012/main"/>
+    </p:ext>
+    <p:ext uri="{2D200454-40CA-4A62-9FC3-DE9A4176ACB9}">
+      <p15:notesGuideLst xmlns:p15="http://schemas.microsoft.com/office/powerpoint/2012/main"/>
+    </p:ext>
+  </p:extLst>
 </p:presentation>
 </file>
 
@@ -3691,270 +3700,65 @@
       </p:grpSpPr>
       <p:sp>
         <p:nvSpPr>
-          <p:cNvPr id="4" name="TextBox 3">
-            <a:extLst>
-              <a:ext uri="{FF2B5EF4-FFF2-40B4-BE49-F238E27FC236}">
-                <a16:creationId xmlns:a16="http://schemas.microsoft.com/office/drawing/2014/main" id="{A1763880-15F7-4BAA-B17A-73B38C95B9B0}"/>
-              </a:ext>
-            </a:extLst>
-          </p:cNvPr>
-          <p:cNvSpPr txBox="1"/>
-          <p:nvPr/>
-        </p:nvSpPr>
-        <p:spPr>
-          <a:xfrm>
-            <a:off x="570271" y="501445"/>
-            <a:ext cx="2861681" cy="369332"/>
-          </a:xfrm>
-          <a:prstGeom prst="rect">
-            <a:avLst/>
-          </a:prstGeom>
-          <a:noFill/>
-        </p:spPr>
-        <p:txBody>
-          <a:bodyPr wrap="none" rtlCol="0">
-            <a:spAutoFit/>
-          </a:bodyPr>
+          <p:cNvPr id="2" name="제목 1">
+            <a:extLst>
+              <a:ext uri="{FF2B5EF4-FFF2-40B4-BE49-F238E27FC236}">
+                <a16:creationId xmlns:a16="http://schemas.microsoft.com/office/drawing/2014/main" id="{E86D22C3-2D72-4748-B25D-0B0CEE49D917}"/>
+              </a:ext>
+            </a:extLst>
+          </p:cNvPr>
+          <p:cNvSpPr>
+            <a:spLocks noGrp="1"/>
+          </p:cNvSpPr>
+          <p:nvPr>
+            <p:ph type="ctrTitle"/>
+          </p:nvPr>
+        </p:nvSpPr>
+        <p:spPr/>
+        <p:txBody>
+          <a:bodyPr anchor="ctr"/>
           <a:lstStyle/>
           <a:p>
             <a:r>
               <a:rPr lang="en-US" altLang="ko-KR" dirty="0"/>
-              <a:t>1. </a:t>
-            </a:r>
+              <a:t>Brunner</a:t>
+            </a:r>
+            <a:endParaRPr lang="ko-KR" altLang="en-US" dirty="0"/>
+          </a:p>
+        </p:txBody>
+      </p:sp>
+      <p:sp>
+        <p:nvSpPr>
+          <p:cNvPr id="3" name="부제목 2">
+            <a:extLst>
+              <a:ext uri="{FF2B5EF4-FFF2-40B4-BE49-F238E27FC236}">
+                <a16:creationId xmlns:a16="http://schemas.microsoft.com/office/drawing/2014/main" id="{BFF4BFB9-1C64-42C5-B0DA-615975BCCECE}"/>
+              </a:ext>
+            </a:extLst>
+          </p:cNvPr>
+          <p:cNvSpPr>
+            <a:spLocks noGrp="1"/>
+          </p:cNvSpPr>
+          <p:nvPr>
+            <p:ph type="subTitle" idx="1"/>
+          </p:nvPr>
+        </p:nvSpPr>
+        <p:spPr/>
+        <p:txBody>
+          <a:bodyPr/>
+          <a:lstStyle/>
+          <a:p>
             <a:r>
               <a:rPr lang="ko-KR" altLang="en-US" dirty="0"/>
-              <a:t>시스템 접속 </a:t>
-            </a:r>
-            <a:r>
-              <a:rPr lang="en-US" altLang="ko-KR" dirty="0"/>
-              <a:t>- </a:t>
-            </a:r>
-            <a:r>
-              <a:rPr lang="ko-KR" altLang="en-US" dirty="0" err="1"/>
-              <a:t>메인화면</a:t>
-            </a:r>
-            <a:endParaRPr lang="ko-KR" altLang="en-US" dirty="0"/>
-          </a:p>
-        </p:txBody>
-      </p:sp>
-      <p:sp>
-        <p:nvSpPr>
-          <p:cNvPr id="5" name="직사각형 4">
-            <a:extLst>
-              <a:ext uri="{FF2B5EF4-FFF2-40B4-BE49-F238E27FC236}">
-                <a16:creationId xmlns:a16="http://schemas.microsoft.com/office/drawing/2014/main" id="{271DF587-6887-45FA-8D58-ADAA476DB3E3}"/>
-              </a:ext>
-            </a:extLst>
-          </p:cNvPr>
-          <p:cNvSpPr/>
-          <p:nvPr/>
-        </p:nvSpPr>
-        <p:spPr>
-          <a:xfrm>
-            <a:off x="7983795" y="1029984"/>
-            <a:ext cx="4050890" cy="1015663"/>
-          </a:xfrm>
-          <a:prstGeom prst="rect">
-            <a:avLst/>
-          </a:prstGeom>
-        </p:spPr>
-        <p:txBody>
-          <a:bodyPr wrap="square">
-            <a:spAutoFit/>
-          </a:bodyPr>
-          <a:lstStyle/>
-          <a:p>
-            <a:r>
-              <a:rPr lang="en-US" altLang="ko-KR" sz="1000" dirty="0">
-                <a:ea typeface="+mj-ea"/>
-              </a:rPr>
-              <a:t>1. </a:t>
-            </a:r>
-            <a:r>
-              <a:rPr lang="ko-KR" altLang="en-US" sz="1000" dirty="0">
-                <a:ea typeface="+mj-ea"/>
-              </a:rPr>
-              <a:t>인터넷 브라우저를 열고</a:t>
-            </a:r>
-            <a:endParaRPr lang="en-US" altLang="ko-KR" sz="1000" dirty="0">
-              <a:ea typeface="+mj-ea"/>
-            </a:endParaRPr>
-          </a:p>
-          <a:p>
-            <a:r>
-              <a:rPr lang="ko-KR" altLang="en-US" sz="1000" dirty="0">
-                <a:ea typeface="+mj-ea"/>
-                <a:hlinkClick r:id="rId2"/>
-              </a:rPr>
-              <a:t>https://www.brunner.co.kr/</a:t>
-            </a:r>
-            <a:r>
-              <a:rPr lang="ko-KR" altLang="en-US" sz="1000" dirty="0">
-                <a:ea typeface="+mj-ea"/>
-              </a:rPr>
-              <a:t>을 입력하여 서버에 접속한다</a:t>
-            </a:r>
-            <a:r>
-              <a:rPr lang="en-US" altLang="ko-KR" sz="1000" dirty="0">
-                <a:ea typeface="+mj-ea"/>
-              </a:rPr>
-              <a:t>.</a:t>
-            </a:r>
-          </a:p>
-          <a:p>
-            <a:endParaRPr lang="en-US" altLang="ko-KR" sz="1000" dirty="0">
-              <a:ea typeface="+mj-ea"/>
-            </a:endParaRPr>
-          </a:p>
-          <a:p>
-            <a:r>
-              <a:rPr lang="en-US" altLang="ko-KR" sz="1000" dirty="0">
-                <a:ea typeface="+mj-ea"/>
-              </a:rPr>
-              <a:t>2. </a:t>
-            </a:r>
-            <a:r>
-              <a:rPr lang="ko-KR" altLang="en-US" sz="1000" dirty="0">
-                <a:ea typeface="+mj-ea"/>
-              </a:rPr>
-              <a:t>아래와 같이 시스템 메인 화면이 보인다</a:t>
-            </a:r>
-            <a:r>
-              <a:rPr lang="en-US" altLang="ko-KR" sz="1000" dirty="0">
-                <a:ea typeface="+mj-ea"/>
-              </a:rPr>
-              <a:t>.</a:t>
-            </a:r>
-          </a:p>
-          <a:p>
-            <a:endParaRPr lang="en-US" altLang="ko-KR" sz="1000" dirty="0"/>
-          </a:p>
-          <a:p>
-            <a:r>
-              <a:rPr lang="en-US" altLang="ko-KR" sz="1000" dirty="0"/>
-              <a:t>3. </a:t>
-            </a:r>
-            <a:r>
-              <a:rPr lang="ko-KR" altLang="en-US" sz="1000" dirty="0">
-                <a:highlight>
-                  <a:srgbClr val="FFFF00"/>
-                </a:highlight>
-              </a:rPr>
-              <a:t>하단 </a:t>
-            </a:r>
-            <a:r>
-              <a:rPr lang="en-US" altLang="ko-KR" sz="1000" dirty="0">
-                <a:highlight>
-                  <a:srgbClr val="FFFF00"/>
-                </a:highlight>
-              </a:rPr>
-              <a:t>Sign Up </a:t>
-            </a:r>
-            <a:r>
-              <a:rPr lang="ko-KR" altLang="en-US" sz="1000" dirty="0">
-                <a:highlight>
-                  <a:srgbClr val="FFFF00"/>
-                </a:highlight>
-              </a:rPr>
-              <a:t>버튼을 클릭</a:t>
-            </a:r>
-            <a:r>
-              <a:rPr lang="ko-KR" altLang="en-US" sz="1000" dirty="0"/>
-              <a:t>하여 회원가입 화면으로 진입한다</a:t>
-            </a:r>
-            <a:r>
-              <a:rPr lang="en-US" altLang="ko-KR" sz="1000" dirty="0"/>
-              <a:t>.</a:t>
-            </a:r>
-          </a:p>
-        </p:txBody>
-      </p:sp>
-      <p:pic>
-        <p:nvPicPr>
-          <p:cNvPr id="6" name="그림 5">
-            <a:extLst>
-              <a:ext uri="{FF2B5EF4-FFF2-40B4-BE49-F238E27FC236}">
-                <a16:creationId xmlns:a16="http://schemas.microsoft.com/office/drawing/2014/main" id="{34A06758-5BCF-4F5B-92BB-4077137D7DC1}"/>
-              </a:ext>
-            </a:extLst>
-          </p:cNvPr>
-          <p:cNvPicPr>
-            <a:picLocks noChangeAspect="1"/>
-          </p:cNvPicPr>
-          <p:nvPr/>
-        </p:nvPicPr>
-        <p:blipFill>
-          <a:blip r:embed="rId3"/>
-          <a:stretch>
-            <a:fillRect/>
-          </a:stretch>
-        </p:blipFill>
-        <p:spPr>
-          <a:xfrm>
-            <a:off x="570271" y="1029984"/>
-            <a:ext cx="7285703" cy="3668470"/>
-          </a:xfrm>
-          <a:prstGeom prst="rect">
-            <a:avLst/>
-          </a:prstGeom>
-        </p:spPr>
-      </p:pic>
-      <p:sp>
-        <p:nvSpPr>
-          <p:cNvPr id="7" name="직사각형 6">
-            <a:extLst>
-              <a:ext uri="{FF2B5EF4-FFF2-40B4-BE49-F238E27FC236}">
-                <a16:creationId xmlns:a16="http://schemas.microsoft.com/office/drawing/2014/main" id="{960CE548-7152-429F-A855-7D274F64210A}"/>
-              </a:ext>
-            </a:extLst>
-          </p:cNvPr>
-          <p:cNvSpPr/>
-          <p:nvPr/>
-        </p:nvSpPr>
-        <p:spPr>
-          <a:xfrm>
-            <a:off x="1160210" y="3962399"/>
-            <a:ext cx="609601" cy="275303"/>
-          </a:xfrm>
-          <a:prstGeom prst="rect">
-            <a:avLst/>
-          </a:prstGeom>
-          <a:noFill/>
-          <a:ln w="19050">
-            <a:solidFill>
-              <a:srgbClr val="FF0000"/>
-            </a:solidFill>
-          </a:ln>
-        </p:spPr>
-        <p:style>
-          <a:lnRef idx="2">
-            <a:schemeClr val="accent1">
-              <a:shade val="50000"/>
-            </a:schemeClr>
-          </a:lnRef>
-          <a:fillRef idx="1">
-            <a:schemeClr val="accent1"/>
-          </a:fillRef>
-          <a:effectRef idx="0">
-            <a:schemeClr val="accent1"/>
-          </a:effectRef>
-          <a:fontRef idx="minor">
-            <a:schemeClr val="lt1"/>
-          </a:fontRef>
-        </p:style>
-        <p:txBody>
-          <a:bodyPr rtlCol="0" anchor="ctr"/>
-          <a:lstStyle/>
-          <a:p>
-            <a:pPr algn="ctr"/>
-            <a:endParaRPr lang="ko-KR" altLang="en-US"/>
+              <a:t>사용자매뉴얼</a:t>
+            </a:r>
           </a:p>
         </p:txBody>
       </p:sp>
     </p:spTree>
     <p:extLst>
       <p:ext uri="{BB962C8B-B14F-4D97-AF65-F5344CB8AC3E}">
-        <p14:creationId xmlns:p14="http://schemas.microsoft.com/office/powerpoint/2010/main" val="856210062"/>
+        <p14:creationId xmlns:p14="http://schemas.microsoft.com/office/powerpoint/2010/main" val="997568053"/>
       </p:ext>
     </p:extLst>
   </p:cSld>
@@ -3965,6 +3769,342 @@
 </file>
 
 <file path=ppt/slides/slide10.xml><?xml version="1.0" encoding="utf-8"?>
+<p:sld xmlns:a="http://schemas.openxmlformats.org/drawingml/2006/main" xmlns:r="http://schemas.openxmlformats.org/officeDocument/2006/relationships" xmlns:p="http://schemas.openxmlformats.org/presentationml/2006/main">
+  <p:cSld>
+    <p:spTree>
+      <p:nvGrpSpPr>
+        <p:cNvPr id="1" name=""/>
+        <p:cNvGrpSpPr/>
+        <p:nvPr/>
+      </p:nvGrpSpPr>
+      <p:grpSpPr>
+        <a:xfrm>
+          <a:off x="0" y="0"/>
+          <a:ext cx="0" cy="0"/>
+          <a:chOff x="0" y="0"/>
+          <a:chExt cx="0" cy="0"/>
+        </a:xfrm>
+      </p:grpSpPr>
+      <p:sp>
+        <p:nvSpPr>
+          <p:cNvPr id="4" name="TextBox 3">
+            <a:extLst>
+              <a:ext uri="{FF2B5EF4-FFF2-40B4-BE49-F238E27FC236}">
+                <a16:creationId xmlns:a16="http://schemas.microsoft.com/office/drawing/2014/main" id="{A1763880-15F7-4BAA-B17A-73B38C95B9B0}"/>
+              </a:ext>
+            </a:extLst>
+          </p:cNvPr>
+          <p:cNvSpPr txBox="1"/>
+          <p:nvPr/>
+        </p:nvSpPr>
+        <p:spPr>
+          <a:xfrm>
+            <a:off x="570271" y="501445"/>
+            <a:ext cx="906017" cy="369332"/>
+          </a:xfrm>
+          <a:prstGeom prst="rect">
+            <a:avLst/>
+          </a:prstGeom>
+          <a:noFill/>
+        </p:spPr>
+        <p:txBody>
+          <a:bodyPr wrap="none" rtlCol="0">
+            <a:spAutoFit/>
+          </a:bodyPr>
+          <a:lstStyle/>
+          <a:p>
+            <a:r>
+              <a:rPr lang="en-US" altLang="ko-KR" dirty="0"/>
+              <a:t>7. </a:t>
+            </a:r>
+            <a:r>
+              <a:rPr lang="ko-KR" altLang="en-US" dirty="0"/>
+              <a:t>메뉴</a:t>
+            </a:r>
+          </a:p>
+        </p:txBody>
+      </p:sp>
+      <p:sp>
+        <p:nvSpPr>
+          <p:cNvPr id="5" name="직사각형 4">
+            <a:extLst>
+              <a:ext uri="{FF2B5EF4-FFF2-40B4-BE49-F238E27FC236}">
+                <a16:creationId xmlns:a16="http://schemas.microsoft.com/office/drawing/2014/main" id="{271DF587-6887-45FA-8D58-ADAA476DB3E3}"/>
+              </a:ext>
+            </a:extLst>
+          </p:cNvPr>
+          <p:cNvSpPr/>
+          <p:nvPr/>
+        </p:nvSpPr>
+        <p:spPr>
+          <a:xfrm>
+            <a:off x="7983795" y="1029984"/>
+            <a:ext cx="4050890" cy="2554545"/>
+          </a:xfrm>
+          <a:prstGeom prst="rect">
+            <a:avLst/>
+          </a:prstGeom>
+        </p:spPr>
+        <p:txBody>
+          <a:bodyPr wrap="square">
+            <a:spAutoFit/>
+          </a:bodyPr>
+          <a:lstStyle/>
+          <a:p>
+            <a:pPr marL="228600" indent="-228600">
+              <a:buAutoNum type="arabicPeriod"/>
+            </a:pPr>
+            <a:r>
+              <a:rPr lang="ko-KR" altLang="en-US" sz="1000" dirty="0">
+                <a:highlight>
+                  <a:srgbClr val="FFFF00"/>
+                </a:highlight>
+              </a:rPr>
+              <a:t>화면 우측상단에 햄버거 메뉴</a:t>
+            </a:r>
+            <a:r>
+              <a:rPr lang="ko-KR" altLang="en-US" sz="1000" dirty="0"/>
+              <a:t>를 클릭하여 </a:t>
+            </a:r>
+            <a:r>
+              <a:rPr lang="ko-KR" altLang="en-US" sz="1000" dirty="0" err="1"/>
+              <a:t>드롭다운한다</a:t>
+            </a:r>
+            <a:r>
+              <a:rPr lang="en-US" altLang="ko-KR" sz="1000" dirty="0"/>
+              <a:t>.</a:t>
+            </a:r>
+          </a:p>
+          <a:p>
+            <a:pPr marL="228600" indent="-228600">
+              <a:buAutoNum type="arabicPeriod"/>
+            </a:pPr>
+            <a:r>
+              <a:rPr lang="en-US" altLang="ko-KR" sz="1000" dirty="0"/>
+              <a:t>[</a:t>
+            </a:r>
+            <a:r>
+              <a:rPr lang="ko-KR" altLang="en-US" sz="1000" dirty="0"/>
+              <a:t>시스템명</a:t>
+            </a:r>
+            <a:r>
+              <a:rPr lang="en-US" altLang="ko-KR" sz="1000" dirty="0"/>
+              <a:t>] Home: </a:t>
+            </a:r>
+            <a:r>
+              <a:rPr lang="ko-KR" altLang="en-US" sz="1000" dirty="0"/>
+              <a:t>시스템 메인 화면으로 이동한다</a:t>
+            </a:r>
+            <a:r>
+              <a:rPr lang="en-US" altLang="ko-KR" sz="1000" dirty="0"/>
+              <a:t>. </a:t>
+            </a:r>
+            <a:r>
+              <a:rPr lang="ko-KR" altLang="en-US" sz="1000" dirty="0"/>
+              <a:t>현재 로그인 한 시스템 이름으로 표시된다</a:t>
+            </a:r>
+            <a:r>
+              <a:rPr lang="en-US" altLang="ko-KR" sz="1000" dirty="0"/>
+              <a:t>. </a:t>
+            </a:r>
+          </a:p>
+          <a:p>
+            <a:pPr marL="228600" indent="-228600">
+              <a:buAutoNum type="arabicPeriod"/>
+            </a:pPr>
+            <a:r>
+              <a:rPr lang="en-US" altLang="ko-KR" sz="1000" dirty="0"/>
+              <a:t> Contact : </a:t>
+            </a:r>
+            <a:r>
+              <a:rPr lang="ko-KR" altLang="en-US" sz="1000" dirty="0"/>
+              <a:t>시스템 관리자에게 문의사항이 있거나 연락할 때 사용한다</a:t>
+            </a:r>
+            <a:r>
+              <a:rPr lang="en-US" altLang="ko-KR" sz="1000" dirty="0"/>
+              <a:t>. </a:t>
+            </a:r>
+            <a:r>
+              <a:rPr lang="ko-KR" altLang="en-US" sz="1000" dirty="0"/>
+              <a:t>관리자에게 전화 또는 메일로 연락 가능하다</a:t>
+            </a:r>
+            <a:r>
+              <a:rPr lang="en-US" altLang="ko-KR" sz="1000" dirty="0"/>
+              <a:t>.</a:t>
+            </a:r>
+          </a:p>
+          <a:p>
+            <a:pPr marL="228600" indent="-228600">
+              <a:buAutoNum type="arabicPeriod"/>
+            </a:pPr>
+            <a:endParaRPr lang="en-US" altLang="ko-KR" sz="1000" dirty="0"/>
+          </a:p>
+          <a:p>
+            <a:pPr marL="228600" indent="-228600">
+              <a:buAutoNum type="arabicPeriod"/>
+            </a:pPr>
+            <a:r>
+              <a:rPr lang="ko-KR" altLang="en-US" sz="1000" dirty="0"/>
+              <a:t>약국 재고 관리 </a:t>
+            </a:r>
+            <a:r>
+              <a:rPr lang="en-US" altLang="ko-KR" sz="1000" dirty="0"/>
+              <a:t>: </a:t>
+            </a:r>
+            <a:r>
+              <a:rPr lang="ko-KR" altLang="en-US" sz="1000" dirty="0"/>
+              <a:t>약국시스템의 관리자가 공용문서로 등록한 문서가 메뉴에 표시되어 별도 화면으로 이동할 수 있는 메뉴이다</a:t>
+            </a:r>
+            <a:r>
+              <a:rPr lang="en-US" altLang="ko-KR" sz="1000" dirty="0"/>
+              <a:t>. </a:t>
+            </a:r>
+            <a:r>
+              <a:rPr lang="ko-KR" altLang="en-US" sz="1000" dirty="0"/>
+              <a:t>표시된 메뉴의 텍스트는 해당 문서의 제목이다</a:t>
+            </a:r>
+            <a:r>
+              <a:rPr lang="en-US" altLang="ko-KR" sz="1000" dirty="0"/>
+              <a:t>.</a:t>
+            </a:r>
+          </a:p>
+          <a:p>
+            <a:pPr marL="228600" indent="-228600">
+              <a:buAutoNum type="arabicPeriod"/>
+            </a:pPr>
+            <a:r>
+              <a:rPr lang="ko-KR" altLang="en-US" sz="1000" dirty="0"/>
+              <a:t>현재사용자명</a:t>
+            </a:r>
+            <a:r>
+              <a:rPr lang="en-US" altLang="ko-KR" sz="1000" dirty="0"/>
+              <a:t>’s pages : </a:t>
+            </a:r>
+            <a:r>
+              <a:rPr lang="ko-KR" altLang="en-US" sz="1000" dirty="0"/>
+              <a:t>현재 사용자가 공용문서로 등록한 문서가 메뉴에 표시되어 별도 화면으로 이동할 수 있는 메뉴이다</a:t>
+            </a:r>
+            <a:r>
+              <a:rPr lang="en-US" altLang="ko-KR" sz="1000" dirty="0"/>
+              <a:t>.</a:t>
+            </a:r>
+          </a:p>
+          <a:p>
+            <a:pPr marL="228600" indent="-228600">
+              <a:buAutoNum type="arabicPeriod"/>
+            </a:pPr>
+            <a:r>
+              <a:rPr lang="en-US" altLang="ko-KR" sz="1000" dirty="0"/>
+              <a:t>Daily Order : </a:t>
+            </a:r>
+            <a:r>
+              <a:rPr lang="ko-KR" altLang="en-US" sz="1000" dirty="0">
+                <a:highlight>
+                  <a:srgbClr val="FFFF00"/>
+                </a:highlight>
+              </a:rPr>
+              <a:t>약국에서 재고관리 및 자동주문을 진행</a:t>
+            </a:r>
+            <a:r>
+              <a:rPr lang="ko-KR" altLang="en-US" sz="1000" dirty="0"/>
+              <a:t>하는 화면이다</a:t>
+            </a:r>
+            <a:r>
+              <a:rPr lang="en-US" altLang="ko-KR" sz="1000" dirty="0"/>
+              <a:t>. </a:t>
+            </a:r>
+            <a:r>
+              <a:rPr lang="ko-KR" altLang="en-US" sz="1000" dirty="0"/>
+              <a:t>약국 시스템의 주기능 화면이다</a:t>
+            </a:r>
+            <a:r>
+              <a:rPr lang="en-US" altLang="ko-KR" sz="1000" dirty="0"/>
+              <a:t>.</a:t>
+            </a:r>
+          </a:p>
+          <a:p>
+            <a:pPr marL="228600" indent="-228600">
+              <a:buAutoNum type="arabicPeriod"/>
+            </a:pPr>
+            <a:r>
+              <a:rPr lang="en-US" altLang="ko-KR" sz="1000" dirty="0"/>
+              <a:t>Supplier Setting : </a:t>
+            </a:r>
+            <a:r>
+              <a:rPr lang="ko-KR" altLang="en-US" sz="1000" dirty="0"/>
+              <a:t>현재 로그인한 약국에서 거래하는 거래처 정보를 등록한다</a:t>
+            </a:r>
+            <a:r>
+              <a:rPr lang="en-US" altLang="ko-KR" sz="1000" dirty="0"/>
+              <a:t>. </a:t>
+            </a:r>
+            <a:r>
+              <a:rPr lang="ko-KR" altLang="en-US" sz="1000" dirty="0"/>
+              <a:t>여기서 </a:t>
+            </a:r>
+            <a:r>
+              <a:rPr lang="ko-KR" altLang="en-US" sz="1000" dirty="0">
+                <a:highlight>
+                  <a:srgbClr val="FFFF00"/>
+                </a:highlight>
+              </a:rPr>
+              <a:t>등록한 거래처에 대해서만 자동주문</a:t>
+            </a:r>
+            <a:r>
+              <a:rPr lang="ko-KR" altLang="en-US" sz="1000" dirty="0"/>
+              <a:t> 기능을 제공한다</a:t>
+            </a:r>
+            <a:r>
+              <a:rPr lang="en-US" altLang="ko-KR" sz="1000" dirty="0"/>
+              <a:t>.</a:t>
+            </a:r>
+          </a:p>
+        </p:txBody>
+      </p:sp>
+      <p:pic>
+        <p:nvPicPr>
+          <p:cNvPr id="6" name="그림 5">
+            <a:extLst>
+              <a:ext uri="{FF2B5EF4-FFF2-40B4-BE49-F238E27FC236}">
+                <a16:creationId xmlns:a16="http://schemas.microsoft.com/office/drawing/2014/main" id="{35D09EAC-2CFE-4603-A9FA-055F831A19A8}"/>
+              </a:ext>
+            </a:extLst>
+          </p:cNvPr>
+          <p:cNvPicPr>
+            <a:picLocks noChangeAspect="1"/>
+          </p:cNvPicPr>
+          <p:nvPr/>
+        </p:nvPicPr>
+        <p:blipFill>
+          <a:blip r:embed="rId2"/>
+          <a:stretch>
+            <a:fillRect/>
+          </a:stretch>
+        </p:blipFill>
+        <p:spPr>
+          <a:xfrm>
+            <a:off x="570271" y="1029984"/>
+            <a:ext cx="1866900" cy="2476500"/>
+          </a:xfrm>
+          <a:prstGeom prst="rect">
+            <a:avLst/>
+          </a:prstGeom>
+        </p:spPr>
+      </p:pic>
+    </p:spTree>
+    <p:extLst>
+      <p:ext uri="{BB962C8B-B14F-4D97-AF65-F5344CB8AC3E}">
+        <p14:creationId xmlns:p14="http://schemas.microsoft.com/office/powerpoint/2010/main" val="3094756359"/>
+      </p:ext>
+    </p:extLst>
+  </p:cSld>
+  <p:clrMapOvr>
+    <a:masterClrMapping/>
+  </p:clrMapOvr>
+</p:sld>
+</file>
+
+<file path=ppt/slides/slide11.xml><?xml version="1.0" encoding="utf-8"?>
 <p:sld xmlns:a="http://schemas.openxmlformats.org/drawingml/2006/main" xmlns:r="http://schemas.openxmlformats.org/officeDocument/2006/relationships" xmlns:p="http://schemas.openxmlformats.org/presentationml/2006/main">
   <p:cSld>
     <p:spTree>
@@ -4162,7 +4302,7 @@
 </p:sld>
 </file>
 
-<file path=ppt/slides/slide11.xml><?xml version="1.0" encoding="utf-8"?>
+<file path=ppt/slides/slide12.xml><?xml version="1.0" encoding="utf-8"?>
 <p:sld xmlns:a="http://schemas.openxmlformats.org/drawingml/2006/main" xmlns:r="http://schemas.openxmlformats.org/officeDocument/2006/relationships" xmlns:p="http://schemas.openxmlformats.org/presentationml/2006/main">
   <p:cSld>
     <p:spTree>
@@ -4350,7 +4490,7 @@
 </p:sld>
 </file>
 
-<file path=ppt/slides/slide12.xml><?xml version="1.0" encoding="utf-8"?>
+<file path=ppt/slides/slide13.xml><?xml version="1.0" encoding="utf-8"?>
 <p:sld xmlns:a="http://schemas.openxmlformats.org/drawingml/2006/main" xmlns:r="http://schemas.openxmlformats.org/officeDocument/2006/relationships" xmlns:p="http://schemas.openxmlformats.org/presentationml/2006/main">
   <p:cSld>
     <p:spTree>
@@ -4899,6 +5039,297 @@
 </file>
 
 <file path=ppt/slides/slide2.xml><?xml version="1.0" encoding="utf-8"?>
+<p:sld xmlns:a="http://schemas.openxmlformats.org/drawingml/2006/main" xmlns:r="http://schemas.openxmlformats.org/officeDocument/2006/relationships" xmlns:p="http://schemas.openxmlformats.org/presentationml/2006/main">
+  <p:cSld>
+    <p:spTree>
+      <p:nvGrpSpPr>
+        <p:cNvPr id="1" name=""/>
+        <p:cNvGrpSpPr/>
+        <p:nvPr/>
+      </p:nvGrpSpPr>
+      <p:grpSpPr>
+        <a:xfrm>
+          <a:off x="0" y="0"/>
+          <a:ext cx="0" cy="0"/>
+          <a:chOff x="0" y="0"/>
+          <a:chExt cx="0" cy="0"/>
+        </a:xfrm>
+      </p:grpSpPr>
+      <p:sp>
+        <p:nvSpPr>
+          <p:cNvPr id="4" name="TextBox 3">
+            <a:extLst>
+              <a:ext uri="{FF2B5EF4-FFF2-40B4-BE49-F238E27FC236}">
+                <a16:creationId xmlns:a16="http://schemas.microsoft.com/office/drawing/2014/main" id="{A1763880-15F7-4BAA-B17A-73B38C95B9B0}"/>
+              </a:ext>
+            </a:extLst>
+          </p:cNvPr>
+          <p:cNvSpPr txBox="1"/>
+          <p:nvPr/>
+        </p:nvSpPr>
+        <p:spPr>
+          <a:xfrm>
+            <a:off x="570271" y="501445"/>
+            <a:ext cx="2861681" cy="369332"/>
+          </a:xfrm>
+          <a:prstGeom prst="rect">
+            <a:avLst/>
+          </a:prstGeom>
+          <a:noFill/>
+        </p:spPr>
+        <p:txBody>
+          <a:bodyPr wrap="none" rtlCol="0">
+            <a:spAutoFit/>
+          </a:bodyPr>
+          <a:lstStyle/>
+          <a:p>
+            <a:r>
+              <a:rPr lang="en-US" altLang="ko-KR" dirty="0"/>
+              <a:t>1. </a:t>
+            </a:r>
+            <a:r>
+              <a:rPr lang="ko-KR" altLang="en-US" dirty="0"/>
+              <a:t>시스템 접속 </a:t>
+            </a:r>
+            <a:r>
+              <a:rPr lang="en-US" altLang="ko-KR" dirty="0"/>
+              <a:t>- </a:t>
+            </a:r>
+            <a:r>
+              <a:rPr lang="ko-KR" altLang="en-US" dirty="0"/>
+              <a:t>메인화면</a:t>
+            </a:r>
+          </a:p>
+        </p:txBody>
+      </p:sp>
+      <p:sp>
+        <p:nvSpPr>
+          <p:cNvPr id="5" name="직사각형 4">
+            <a:extLst>
+              <a:ext uri="{FF2B5EF4-FFF2-40B4-BE49-F238E27FC236}">
+                <a16:creationId xmlns:a16="http://schemas.microsoft.com/office/drawing/2014/main" id="{271DF587-6887-45FA-8D58-ADAA476DB3E3}"/>
+              </a:ext>
+            </a:extLst>
+          </p:cNvPr>
+          <p:cNvSpPr/>
+          <p:nvPr/>
+        </p:nvSpPr>
+        <p:spPr>
+          <a:xfrm>
+            <a:off x="7983795" y="1029984"/>
+            <a:ext cx="4050890" cy="1015663"/>
+          </a:xfrm>
+          <a:prstGeom prst="rect">
+            <a:avLst/>
+          </a:prstGeom>
+        </p:spPr>
+        <p:txBody>
+          <a:bodyPr wrap="square">
+            <a:spAutoFit/>
+          </a:bodyPr>
+          <a:lstStyle/>
+          <a:p>
+            <a:r>
+              <a:rPr lang="en-US" altLang="ko-KR" sz="1000" dirty="0">
+                <a:ea typeface="+mj-ea"/>
+              </a:rPr>
+              <a:t>1. </a:t>
+            </a:r>
+            <a:r>
+              <a:rPr lang="ko-KR" altLang="en-US" sz="1000" dirty="0">
+                <a:ea typeface="+mj-ea"/>
+              </a:rPr>
+              <a:t>인터넷 브라우저를 열고</a:t>
+            </a:r>
+            <a:endParaRPr lang="en-US" altLang="ko-KR" sz="1000" dirty="0">
+              <a:ea typeface="+mj-ea"/>
+            </a:endParaRPr>
+          </a:p>
+          <a:p>
+            <a:r>
+              <a:rPr lang="ko-KR" altLang="en-US" sz="1000" dirty="0">
+                <a:ea typeface="+mj-ea"/>
+                <a:hlinkClick r:id="rId2"/>
+              </a:rPr>
+              <a:t>https://www.brunner.co.kr/</a:t>
+            </a:r>
+            <a:r>
+              <a:rPr lang="ko-KR" altLang="en-US" sz="1000" dirty="0">
+                <a:ea typeface="+mj-ea"/>
+              </a:rPr>
+              <a:t>을 입력하여 서버에 접속한다</a:t>
+            </a:r>
+            <a:r>
+              <a:rPr lang="en-US" altLang="ko-KR" sz="1000" dirty="0">
+                <a:ea typeface="+mj-ea"/>
+              </a:rPr>
+              <a:t>.</a:t>
+            </a:r>
+          </a:p>
+          <a:p>
+            <a:endParaRPr lang="en-US" altLang="ko-KR" sz="1000" dirty="0">
+              <a:ea typeface="+mj-ea"/>
+            </a:endParaRPr>
+          </a:p>
+          <a:p>
+            <a:r>
+              <a:rPr lang="en-US" altLang="ko-KR" sz="1000" dirty="0">
+                <a:ea typeface="+mj-ea"/>
+              </a:rPr>
+              <a:t>2. </a:t>
+            </a:r>
+            <a:r>
+              <a:rPr lang="ko-KR" altLang="en-US" sz="1000" dirty="0">
+                <a:ea typeface="+mj-ea"/>
+              </a:rPr>
+              <a:t>아래와 같이 시스템 메인 화면이 보인다</a:t>
+            </a:r>
+            <a:r>
+              <a:rPr lang="en-US" altLang="ko-KR" sz="1000" dirty="0">
+                <a:ea typeface="+mj-ea"/>
+              </a:rPr>
+              <a:t>.</a:t>
+            </a:r>
+          </a:p>
+          <a:p>
+            <a:endParaRPr lang="en-US" altLang="ko-KR" sz="1000" dirty="0"/>
+          </a:p>
+          <a:p>
+            <a:r>
+              <a:rPr lang="en-US" altLang="ko-KR" sz="1000" dirty="0"/>
+              <a:t>3. </a:t>
+            </a:r>
+            <a:r>
+              <a:rPr lang="ko-KR" altLang="en-US" sz="1000" dirty="0">
+                <a:highlight>
+                  <a:srgbClr val="FFFF00"/>
+                </a:highlight>
+              </a:rPr>
+              <a:t>하단 </a:t>
+            </a:r>
+            <a:r>
+              <a:rPr lang="en-US" altLang="ko-KR" sz="1000" dirty="0">
+                <a:highlight>
+                  <a:srgbClr val="FFFF00"/>
+                </a:highlight>
+              </a:rPr>
+              <a:t>Sign Up </a:t>
+            </a:r>
+            <a:r>
+              <a:rPr lang="ko-KR" altLang="en-US" sz="1000" dirty="0">
+                <a:highlight>
+                  <a:srgbClr val="FFFF00"/>
+                </a:highlight>
+              </a:rPr>
+              <a:t>버튼을 클릭</a:t>
+            </a:r>
+            <a:r>
+              <a:rPr lang="ko-KR" altLang="en-US" sz="1000" dirty="0"/>
+              <a:t>하여 회원가입 화면으로 진입한다</a:t>
+            </a:r>
+            <a:r>
+              <a:rPr lang="en-US" altLang="ko-KR" sz="1000" dirty="0"/>
+              <a:t>.</a:t>
+            </a:r>
+          </a:p>
+        </p:txBody>
+      </p:sp>
+      <p:pic>
+        <p:nvPicPr>
+          <p:cNvPr id="6" name="그림 5">
+            <a:extLst>
+              <a:ext uri="{FF2B5EF4-FFF2-40B4-BE49-F238E27FC236}">
+                <a16:creationId xmlns:a16="http://schemas.microsoft.com/office/drawing/2014/main" id="{34A06758-5BCF-4F5B-92BB-4077137D7DC1}"/>
+              </a:ext>
+            </a:extLst>
+          </p:cNvPr>
+          <p:cNvPicPr>
+            <a:picLocks noChangeAspect="1"/>
+          </p:cNvPicPr>
+          <p:nvPr/>
+        </p:nvPicPr>
+        <p:blipFill>
+          <a:blip r:embed="rId3"/>
+          <a:stretch>
+            <a:fillRect/>
+          </a:stretch>
+        </p:blipFill>
+        <p:spPr>
+          <a:xfrm>
+            <a:off x="570271" y="1029984"/>
+            <a:ext cx="7285703" cy="3668470"/>
+          </a:xfrm>
+          <a:prstGeom prst="rect">
+            <a:avLst/>
+          </a:prstGeom>
+        </p:spPr>
+      </p:pic>
+      <p:sp>
+        <p:nvSpPr>
+          <p:cNvPr id="7" name="직사각형 6">
+            <a:extLst>
+              <a:ext uri="{FF2B5EF4-FFF2-40B4-BE49-F238E27FC236}">
+                <a16:creationId xmlns:a16="http://schemas.microsoft.com/office/drawing/2014/main" id="{960CE548-7152-429F-A855-7D274F64210A}"/>
+              </a:ext>
+            </a:extLst>
+          </p:cNvPr>
+          <p:cNvSpPr/>
+          <p:nvPr/>
+        </p:nvSpPr>
+        <p:spPr>
+          <a:xfrm>
+            <a:off x="1160210" y="3962399"/>
+            <a:ext cx="609601" cy="275303"/>
+          </a:xfrm>
+          <a:prstGeom prst="rect">
+            <a:avLst/>
+          </a:prstGeom>
+          <a:noFill/>
+          <a:ln w="19050">
+            <a:solidFill>
+              <a:srgbClr val="FF0000"/>
+            </a:solidFill>
+          </a:ln>
+        </p:spPr>
+        <p:style>
+          <a:lnRef idx="2">
+            <a:schemeClr val="accent1">
+              <a:shade val="50000"/>
+            </a:schemeClr>
+          </a:lnRef>
+          <a:fillRef idx="1">
+            <a:schemeClr val="accent1"/>
+          </a:fillRef>
+          <a:effectRef idx="0">
+            <a:schemeClr val="accent1"/>
+          </a:effectRef>
+          <a:fontRef idx="minor">
+            <a:schemeClr val="lt1"/>
+          </a:fontRef>
+        </p:style>
+        <p:txBody>
+          <a:bodyPr rtlCol="0" anchor="ctr"/>
+          <a:lstStyle/>
+          <a:p>
+            <a:pPr algn="ctr"/>
+            <a:endParaRPr lang="ko-KR" altLang="en-US"/>
+          </a:p>
+        </p:txBody>
+      </p:sp>
+    </p:spTree>
+    <p:extLst>
+      <p:ext uri="{BB962C8B-B14F-4D97-AF65-F5344CB8AC3E}">
+        <p14:creationId xmlns:p14="http://schemas.microsoft.com/office/powerpoint/2010/main" val="856210062"/>
+      </p:ext>
+    </p:extLst>
+  </p:cSld>
+  <p:clrMapOvr>
+    <a:masterClrMapping/>
+  </p:clrMapOvr>
+</p:sld>
+</file>
+
+<file path=ppt/slides/slide3.xml><?xml version="1.0" encoding="utf-8"?>
 <p:sld xmlns:a="http://schemas.openxmlformats.org/drawingml/2006/main" xmlns:r="http://schemas.openxmlformats.org/officeDocument/2006/relationships" xmlns:p="http://schemas.openxmlformats.org/presentationml/2006/main">
   <p:cSld>
     <p:spTree>
@@ -5599,7 +6030,7 @@
 </p:sld>
 </file>
 
-<file path=ppt/slides/slide3.xml><?xml version="1.0" encoding="utf-8"?>
+<file path=ppt/slides/slide4.xml><?xml version="1.0" encoding="utf-8"?>
 <p:sld xmlns:a="http://schemas.openxmlformats.org/drawingml/2006/main" xmlns:r="http://schemas.openxmlformats.org/officeDocument/2006/relationships" xmlns:p="http://schemas.openxmlformats.org/presentationml/2006/main">
   <p:cSld>
     <p:spTree>
@@ -5816,7 +6247,7 @@
 </p:sld>
 </file>
 
-<file path=ppt/slides/slide4.xml><?xml version="1.0" encoding="utf-8"?>
+<file path=ppt/slides/slide5.xml><?xml version="1.0" encoding="utf-8"?>
 <p:sld xmlns:a="http://schemas.openxmlformats.org/drawingml/2006/main" xmlns:r="http://schemas.openxmlformats.org/officeDocument/2006/relationships" xmlns:p="http://schemas.openxmlformats.org/presentationml/2006/main">
   <p:cSld>
     <p:spTree>
@@ -6027,7 +6458,7 @@
 </p:sld>
 </file>
 
-<file path=ppt/slides/slide5.xml><?xml version="1.0" encoding="utf-8"?>
+<file path=ppt/slides/slide6.xml><?xml version="1.0" encoding="utf-8"?>
 <p:sld xmlns:a="http://schemas.openxmlformats.org/drawingml/2006/main" xmlns:r="http://schemas.openxmlformats.org/officeDocument/2006/relationships" xmlns:p="http://schemas.openxmlformats.org/presentationml/2006/main">
   <p:cSld>
     <p:spTree>
@@ -6323,7 +6754,7 @@
 </p:sld>
 </file>
 
-<file path=ppt/slides/slide6.xml><?xml version="1.0" encoding="utf-8"?>
+<file path=ppt/slides/slide7.xml><?xml version="1.0" encoding="utf-8"?>
 <p:sld xmlns:a="http://schemas.openxmlformats.org/drawingml/2006/main" xmlns:r="http://schemas.openxmlformats.org/officeDocument/2006/relationships" xmlns:p="http://schemas.openxmlformats.org/presentationml/2006/main">
   <p:cSld>
     <p:spTree>
@@ -6812,7 +7243,7 @@
 </p:sld>
 </file>
 
-<file path=ppt/slides/slide7.xml><?xml version="1.0" encoding="utf-8"?>
+<file path=ppt/slides/slide8.xml><?xml version="1.0" encoding="utf-8"?>
 <p:sld xmlns:a="http://schemas.openxmlformats.org/drawingml/2006/main" xmlns:r="http://schemas.openxmlformats.org/officeDocument/2006/relationships" xmlns:p="http://schemas.openxmlformats.org/presentationml/2006/main">
   <p:cSld>
     <p:spTree>
@@ -6998,7 +7429,7 @@
 </p:sld>
 </file>
 
-<file path=ppt/slides/slide8.xml><?xml version="1.0" encoding="utf-8"?>
+<file path=ppt/slides/slide9.xml><?xml version="1.0" encoding="utf-8"?>
 <p:sld xmlns:a="http://schemas.openxmlformats.org/drawingml/2006/main" xmlns:r="http://schemas.openxmlformats.org/officeDocument/2006/relationships" xmlns:p="http://schemas.openxmlformats.org/presentationml/2006/main">
   <p:cSld>
     <p:spTree>
@@ -7211,342 +7642,6 @@
     <p:extLst>
       <p:ext uri="{BB962C8B-B14F-4D97-AF65-F5344CB8AC3E}">
         <p14:creationId xmlns:p14="http://schemas.microsoft.com/office/powerpoint/2010/main" val="1552891492"/>
-      </p:ext>
-    </p:extLst>
-  </p:cSld>
-  <p:clrMapOvr>
-    <a:masterClrMapping/>
-  </p:clrMapOvr>
-</p:sld>
-</file>
-
-<file path=ppt/slides/slide9.xml><?xml version="1.0" encoding="utf-8"?>
-<p:sld xmlns:a="http://schemas.openxmlformats.org/drawingml/2006/main" xmlns:r="http://schemas.openxmlformats.org/officeDocument/2006/relationships" xmlns:p="http://schemas.openxmlformats.org/presentationml/2006/main">
-  <p:cSld>
-    <p:spTree>
-      <p:nvGrpSpPr>
-        <p:cNvPr id="1" name=""/>
-        <p:cNvGrpSpPr/>
-        <p:nvPr/>
-      </p:nvGrpSpPr>
-      <p:grpSpPr>
-        <a:xfrm>
-          <a:off x="0" y="0"/>
-          <a:ext cx="0" cy="0"/>
-          <a:chOff x="0" y="0"/>
-          <a:chExt cx="0" cy="0"/>
-        </a:xfrm>
-      </p:grpSpPr>
-      <p:sp>
-        <p:nvSpPr>
-          <p:cNvPr id="4" name="TextBox 3">
-            <a:extLst>
-              <a:ext uri="{FF2B5EF4-FFF2-40B4-BE49-F238E27FC236}">
-                <a16:creationId xmlns:a16="http://schemas.microsoft.com/office/drawing/2014/main" id="{A1763880-15F7-4BAA-B17A-73B38C95B9B0}"/>
-              </a:ext>
-            </a:extLst>
-          </p:cNvPr>
-          <p:cNvSpPr txBox="1"/>
-          <p:nvPr/>
-        </p:nvSpPr>
-        <p:spPr>
-          <a:xfrm>
-            <a:off x="570271" y="501445"/>
-            <a:ext cx="906017" cy="369332"/>
-          </a:xfrm>
-          <a:prstGeom prst="rect">
-            <a:avLst/>
-          </a:prstGeom>
-          <a:noFill/>
-        </p:spPr>
-        <p:txBody>
-          <a:bodyPr wrap="none" rtlCol="0">
-            <a:spAutoFit/>
-          </a:bodyPr>
-          <a:lstStyle/>
-          <a:p>
-            <a:r>
-              <a:rPr lang="en-US" altLang="ko-KR" dirty="0"/>
-              <a:t>7. </a:t>
-            </a:r>
-            <a:r>
-              <a:rPr lang="ko-KR" altLang="en-US" dirty="0"/>
-              <a:t>메뉴</a:t>
-            </a:r>
-          </a:p>
-        </p:txBody>
-      </p:sp>
-      <p:sp>
-        <p:nvSpPr>
-          <p:cNvPr id="5" name="직사각형 4">
-            <a:extLst>
-              <a:ext uri="{FF2B5EF4-FFF2-40B4-BE49-F238E27FC236}">
-                <a16:creationId xmlns:a16="http://schemas.microsoft.com/office/drawing/2014/main" id="{271DF587-6887-45FA-8D58-ADAA476DB3E3}"/>
-              </a:ext>
-            </a:extLst>
-          </p:cNvPr>
-          <p:cNvSpPr/>
-          <p:nvPr/>
-        </p:nvSpPr>
-        <p:spPr>
-          <a:xfrm>
-            <a:off x="7983795" y="1029984"/>
-            <a:ext cx="4050890" cy="2554545"/>
-          </a:xfrm>
-          <a:prstGeom prst="rect">
-            <a:avLst/>
-          </a:prstGeom>
-        </p:spPr>
-        <p:txBody>
-          <a:bodyPr wrap="square">
-            <a:spAutoFit/>
-          </a:bodyPr>
-          <a:lstStyle/>
-          <a:p>
-            <a:pPr marL="228600" indent="-228600">
-              <a:buAutoNum type="arabicPeriod"/>
-            </a:pPr>
-            <a:r>
-              <a:rPr lang="ko-KR" altLang="en-US" sz="1000" dirty="0">
-                <a:highlight>
-                  <a:srgbClr val="FFFF00"/>
-                </a:highlight>
-              </a:rPr>
-              <a:t>화면 우측상단에 햄버거 메뉴</a:t>
-            </a:r>
-            <a:r>
-              <a:rPr lang="ko-KR" altLang="en-US" sz="1000" dirty="0"/>
-              <a:t>를 클릭하여 </a:t>
-            </a:r>
-            <a:r>
-              <a:rPr lang="ko-KR" altLang="en-US" sz="1000" dirty="0" err="1"/>
-              <a:t>드롭다운한다</a:t>
-            </a:r>
-            <a:r>
-              <a:rPr lang="en-US" altLang="ko-KR" sz="1000" dirty="0"/>
-              <a:t>.</a:t>
-            </a:r>
-          </a:p>
-          <a:p>
-            <a:pPr marL="228600" indent="-228600">
-              <a:buAutoNum type="arabicPeriod"/>
-            </a:pPr>
-            <a:r>
-              <a:rPr lang="en-US" altLang="ko-KR" sz="1000" dirty="0"/>
-              <a:t>[</a:t>
-            </a:r>
-            <a:r>
-              <a:rPr lang="ko-KR" altLang="en-US" sz="1000" dirty="0"/>
-              <a:t>시스템명</a:t>
-            </a:r>
-            <a:r>
-              <a:rPr lang="en-US" altLang="ko-KR" sz="1000" dirty="0"/>
-              <a:t>] Home: </a:t>
-            </a:r>
-            <a:r>
-              <a:rPr lang="ko-KR" altLang="en-US" sz="1000" dirty="0"/>
-              <a:t>시스템 메인 화면으로 이동한다</a:t>
-            </a:r>
-            <a:r>
-              <a:rPr lang="en-US" altLang="ko-KR" sz="1000" dirty="0"/>
-              <a:t>. </a:t>
-            </a:r>
-            <a:r>
-              <a:rPr lang="ko-KR" altLang="en-US" sz="1000" dirty="0"/>
-              <a:t>현재 로그인 한 시스템 이름으로 표시된다</a:t>
-            </a:r>
-            <a:r>
-              <a:rPr lang="en-US" altLang="ko-KR" sz="1000" dirty="0"/>
-              <a:t>. </a:t>
-            </a:r>
-          </a:p>
-          <a:p>
-            <a:pPr marL="228600" indent="-228600">
-              <a:buAutoNum type="arabicPeriod"/>
-            </a:pPr>
-            <a:r>
-              <a:rPr lang="en-US" altLang="ko-KR" sz="1000" dirty="0"/>
-              <a:t> Contact : </a:t>
-            </a:r>
-            <a:r>
-              <a:rPr lang="ko-KR" altLang="en-US" sz="1000" dirty="0"/>
-              <a:t>시스템 관리자에게 문의사항이 있거나 연락할 때 사용한다</a:t>
-            </a:r>
-            <a:r>
-              <a:rPr lang="en-US" altLang="ko-KR" sz="1000" dirty="0"/>
-              <a:t>. </a:t>
-            </a:r>
-            <a:r>
-              <a:rPr lang="ko-KR" altLang="en-US" sz="1000" dirty="0"/>
-              <a:t>관리자에게 전화 또는 메일로 연락 가능하다</a:t>
-            </a:r>
-            <a:r>
-              <a:rPr lang="en-US" altLang="ko-KR" sz="1000" dirty="0"/>
-              <a:t>.</a:t>
-            </a:r>
-          </a:p>
-          <a:p>
-            <a:pPr marL="228600" indent="-228600">
-              <a:buAutoNum type="arabicPeriod"/>
-            </a:pPr>
-            <a:endParaRPr lang="en-US" altLang="ko-KR" sz="1000" dirty="0"/>
-          </a:p>
-          <a:p>
-            <a:pPr marL="228600" indent="-228600">
-              <a:buAutoNum type="arabicPeriod"/>
-            </a:pPr>
-            <a:r>
-              <a:rPr lang="ko-KR" altLang="en-US" sz="1000" dirty="0"/>
-              <a:t>약국 재고 관리 </a:t>
-            </a:r>
-            <a:r>
-              <a:rPr lang="en-US" altLang="ko-KR" sz="1000" dirty="0"/>
-              <a:t>: </a:t>
-            </a:r>
-            <a:r>
-              <a:rPr lang="ko-KR" altLang="en-US" sz="1000" dirty="0"/>
-              <a:t>약국시스템의 관리자가 공용문서로 등록한 문서가 메뉴에 표시되어 별도 화면으로 이동할 수 있는 메뉴이다</a:t>
-            </a:r>
-            <a:r>
-              <a:rPr lang="en-US" altLang="ko-KR" sz="1000" dirty="0"/>
-              <a:t>. </a:t>
-            </a:r>
-            <a:r>
-              <a:rPr lang="ko-KR" altLang="en-US" sz="1000" dirty="0"/>
-              <a:t>표시된 메뉴의 텍스트는 해당 문서의 제목이다</a:t>
-            </a:r>
-            <a:r>
-              <a:rPr lang="en-US" altLang="ko-KR" sz="1000" dirty="0"/>
-              <a:t>.</a:t>
-            </a:r>
-          </a:p>
-          <a:p>
-            <a:pPr marL="228600" indent="-228600">
-              <a:buAutoNum type="arabicPeriod"/>
-            </a:pPr>
-            <a:r>
-              <a:rPr lang="ko-KR" altLang="en-US" sz="1000" dirty="0"/>
-              <a:t>현재사용자명</a:t>
-            </a:r>
-            <a:r>
-              <a:rPr lang="en-US" altLang="ko-KR" sz="1000" dirty="0"/>
-              <a:t>’s pages : </a:t>
-            </a:r>
-            <a:r>
-              <a:rPr lang="ko-KR" altLang="en-US" sz="1000" dirty="0"/>
-              <a:t>현재 사용자가 공용문서로 등록한 문서가 메뉴에 표시되어 별도 화면으로 이동할 수 있는 메뉴이다</a:t>
-            </a:r>
-            <a:r>
-              <a:rPr lang="en-US" altLang="ko-KR" sz="1000" dirty="0"/>
-              <a:t>.</a:t>
-            </a:r>
-          </a:p>
-          <a:p>
-            <a:pPr marL="228600" indent="-228600">
-              <a:buAutoNum type="arabicPeriod"/>
-            </a:pPr>
-            <a:r>
-              <a:rPr lang="en-US" altLang="ko-KR" sz="1000" dirty="0"/>
-              <a:t>Daily Order : </a:t>
-            </a:r>
-            <a:r>
-              <a:rPr lang="ko-KR" altLang="en-US" sz="1000" dirty="0">
-                <a:highlight>
-                  <a:srgbClr val="FFFF00"/>
-                </a:highlight>
-              </a:rPr>
-              <a:t>약국에서 재고관리 및 자동주문을 진행</a:t>
-            </a:r>
-            <a:r>
-              <a:rPr lang="ko-KR" altLang="en-US" sz="1000" dirty="0"/>
-              <a:t>하는 화면이다</a:t>
-            </a:r>
-            <a:r>
-              <a:rPr lang="en-US" altLang="ko-KR" sz="1000" dirty="0"/>
-              <a:t>. </a:t>
-            </a:r>
-            <a:r>
-              <a:rPr lang="ko-KR" altLang="en-US" sz="1000" dirty="0"/>
-              <a:t>약국 시스템의 주기능 화면이다</a:t>
-            </a:r>
-            <a:r>
-              <a:rPr lang="en-US" altLang="ko-KR" sz="1000" dirty="0"/>
-              <a:t>.</a:t>
-            </a:r>
-          </a:p>
-          <a:p>
-            <a:pPr marL="228600" indent="-228600">
-              <a:buAutoNum type="arabicPeriod"/>
-            </a:pPr>
-            <a:r>
-              <a:rPr lang="en-US" altLang="ko-KR" sz="1000" dirty="0"/>
-              <a:t>Supplier Setting : </a:t>
-            </a:r>
-            <a:r>
-              <a:rPr lang="ko-KR" altLang="en-US" sz="1000" dirty="0"/>
-              <a:t>현재 로그인한 약국에서 거래하는 거래처 정보를 등록한다</a:t>
-            </a:r>
-            <a:r>
-              <a:rPr lang="en-US" altLang="ko-KR" sz="1000" dirty="0"/>
-              <a:t>. </a:t>
-            </a:r>
-            <a:r>
-              <a:rPr lang="ko-KR" altLang="en-US" sz="1000" dirty="0"/>
-              <a:t>여기서 </a:t>
-            </a:r>
-            <a:r>
-              <a:rPr lang="ko-KR" altLang="en-US" sz="1000" dirty="0">
-                <a:highlight>
-                  <a:srgbClr val="FFFF00"/>
-                </a:highlight>
-              </a:rPr>
-              <a:t>등록한 거래처에 대해서만 자동주문</a:t>
-            </a:r>
-            <a:r>
-              <a:rPr lang="ko-KR" altLang="en-US" sz="1000" dirty="0"/>
-              <a:t> 기능을 제공한다</a:t>
-            </a:r>
-            <a:r>
-              <a:rPr lang="en-US" altLang="ko-KR" sz="1000" dirty="0"/>
-              <a:t>.</a:t>
-            </a:r>
-          </a:p>
-        </p:txBody>
-      </p:sp>
-      <p:pic>
-        <p:nvPicPr>
-          <p:cNvPr id="6" name="그림 5">
-            <a:extLst>
-              <a:ext uri="{FF2B5EF4-FFF2-40B4-BE49-F238E27FC236}">
-                <a16:creationId xmlns:a16="http://schemas.microsoft.com/office/drawing/2014/main" id="{35D09EAC-2CFE-4603-A9FA-055F831A19A8}"/>
-              </a:ext>
-            </a:extLst>
-          </p:cNvPr>
-          <p:cNvPicPr>
-            <a:picLocks noChangeAspect="1"/>
-          </p:cNvPicPr>
-          <p:nvPr/>
-        </p:nvPicPr>
-        <p:blipFill>
-          <a:blip r:embed="rId2"/>
-          <a:stretch>
-            <a:fillRect/>
-          </a:stretch>
-        </p:blipFill>
-        <p:spPr>
-          <a:xfrm>
-            <a:off x="570271" y="1029984"/>
-            <a:ext cx="1866900" cy="2476500"/>
-          </a:xfrm>
-          <a:prstGeom prst="rect">
-            <a:avLst/>
-          </a:prstGeom>
-        </p:spPr>
-      </p:pic>
-    </p:spTree>
-    <p:extLst>
-      <p:ext uri="{BB962C8B-B14F-4D97-AF65-F5344CB8AC3E}">
-        <p14:creationId xmlns:p14="http://schemas.microsoft.com/office/powerpoint/2010/main" val="3094756359"/>
       </p:ext>
     </p:extLst>
   </p:cSld>
